--- a/Kahoot-Klon.pptx
+++ b/Kahoot-Klon.pptx
@@ -6,8 +6,8 @@
   </p:sldMasterIdLst>
   <p:sldIdLst>
     <p:sldId id="256" r:id="rId2"/>
-    <p:sldId id="257" r:id="rId3"/>
-    <p:sldId id="258" r:id="rId4"/>
+    <p:sldId id="258" r:id="rId3"/>
+    <p:sldId id="257" r:id="rId4"/>
   </p:sldIdLst>
   <p:sldSz cx="12192000" cy="6858000"/>
   <p:notesSz cx="6858000" cy="9144000"/>
@@ -106,6 +106,11 @@
       </a:defRPr>
     </a:lvl9pPr>
   </p:defaultTextStyle>
+  <p:extLst>
+    <p:ext uri="{EFAFB233-063F-42B5-8137-9DF3F51BA10A}">
+      <p15:sldGuideLst xmlns:p15="http://schemas.microsoft.com/office/powerpoint/2012/main"/>
+    </p:ext>
+  </p:extLst>
 </p:presentation>
 </file>
 
@@ -3557,585 +3562,6 @@
       </p:grpSpPr>
       <p:sp useBgFill="1">
         <p:nvSpPr>
-          <p:cNvPr id="13" name="Rectangle 8">
-            <a:extLst>
-              <a:ext uri="{FF2B5EF4-FFF2-40B4-BE49-F238E27FC236}">
-                <a16:creationId xmlns:a16="http://schemas.microsoft.com/office/drawing/2014/main" id="{79BB35BC-D5C2-4C8B-A22A-A71E6191913B}"/>
-              </a:ext>
-              <a:ext uri="{C183D7F6-B498-43B3-948B-1728B52AA6E4}">
-                <adec:decorative xmlns:adec="http://schemas.microsoft.com/office/drawing/2017/decorative" val="1"/>
-              </a:ext>
-            </a:extLst>
-          </p:cNvPr>
-          <p:cNvSpPr>
-            <a:spLocks noGrp="1" noRot="1" noChangeAspect="1" noMove="1" noResize="1" noEditPoints="1" noAdjustHandles="1" noChangeArrowheads="1" noChangeShapeType="1" noTextEdit="1"/>
-          </p:cNvSpPr>
-          <p:nvPr>
-            <p:extLst>
-              <p:ext uri="{386F3935-93C4-4BCD-93E2-E3B085C9AB24}">
-                <p16:designElem xmlns:p16="http://schemas.microsoft.com/office/powerpoint/2015/main" val="1"/>
-              </p:ext>
-            </p:extLst>
-          </p:nvPr>
-        </p:nvSpPr>
-        <p:spPr>
-          <a:xfrm>
-            <a:off x="0" y="0"/>
-            <a:ext cx="12188952" cy="6858000"/>
-          </a:xfrm>
-          <a:prstGeom prst="rect">
-            <a:avLst/>
-          </a:prstGeom>
-          <a:ln>
-            <a:noFill/>
-          </a:ln>
-        </p:spPr>
-        <p:style>
-          <a:lnRef idx="2">
-            <a:schemeClr val="accent1">
-              <a:shade val="50000"/>
-            </a:schemeClr>
-          </a:lnRef>
-          <a:fillRef idx="1">
-            <a:schemeClr val="accent1"/>
-          </a:fillRef>
-          <a:effectRef idx="0">
-            <a:schemeClr val="accent1"/>
-          </a:effectRef>
-          <a:fontRef idx="minor">
-            <a:schemeClr val="lt1"/>
-          </a:fontRef>
-        </p:style>
-        <p:txBody>
-          <a:bodyPr rtlCol="0" anchor="ctr"/>
-          <a:lstStyle/>
-          <a:p>
-            <a:pPr algn="ctr"/>
-            <a:endParaRPr lang="en-US"/>
-          </a:p>
-        </p:txBody>
-      </p:sp>
-      <p:sp>
-        <p:nvSpPr>
-          <p:cNvPr id="2" name="Titel 1">
-            <a:extLst>
-              <a:ext uri="{FF2B5EF4-FFF2-40B4-BE49-F238E27FC236}">
-                <a16:creationId xmlns:a16="http://schemas.microsoft.com/office/drawing/2014/main" id="{24AE80A9-E393-736B-06DA-98C5A83984DD}"/>
-              </a:ext>
-            </a:extLst>
-          </p:cNvPr>
-          <p:cNvSpPr>
-            <a:spLocks noGrp="1"/>
-          </p:cNvSpPr>
-          <p:nvPr>
-            <p:ph type="title"/>
-          </p:nvPr>
-        </p:nvSpPr>
-        <p:spPr>
-          <a:xfrm>
-            <a:off x="6513788" y="365125"/>
-            <a:ext cx="4840010" cy="1807305"/>
-          </a:xfrm>
-        </p:spPr>
-        <p:txBody>
-          <a:bodyPr>
-            <a:normAutofit/>
-          </a:bodyPr>
-          <a:lstStyle/>
-          <a:p>
-            <a:r>
-              <a:rPr lang="de-DE"/>
-              <a:t>Geplante Features</a:t>
-            </a:r>
-            <a:endParaRPr lang="de-AT" dirty="0"/>
-          </a:p>
-        </p:txBody>
-      </p:sp>
-      <p:pic>
-        <p:nvPicPr>
-          <p:cNvPr id="14" name="Picture 4" descr="Mehrfarbige Papierkunst">
-            <a:extLst>
-              <a:ext uri="{FF2B5EF4-FFF2-40B4-BE49-F238E27FC236}">
-                <a16:creationId xmlns:a16="http://schemas.microsoft.com/office/drawing/2014/main" id="{ABB18B3C-8592-5061-BD71-3EDF3490F7C4}"/>
-              </a:ext>
-            </a:extLst>
-          </p:cNvPr>
-          <p:cNvPicPr>
-            <a:picLocks noChangeAspect="1"/>
-          </p:cNvPicPr>
-          <p:nvPr/>
-        </p:nvPicPr>
-        <p:blipFill rotWithShape="1">
-          <a:blip r:embed="rId2"/>
-          <a:srcRect l="21352" r="19114" b="-1"/>
-          <a:stretch/>
-        </p:blipFill>
-        <p:spPr>
-          <a:xfrm>
-            <a:off x="20" y="10"/>
-            <a:ext cx="6116549" cy="6857990"/>
-          </a:xfrm>
-          <a:custGeom>
-            <a:avLst/>
-            <a:gdLst/>
-            <a:ahLst/>
-            <a:cxnLst/>
-            <a:rect l="l" t="t" r="r" b="b"/>
-            <a:pathLst>
-              <a:path w="6116569" h="6879321">
-                <a:moveTo>
-                  <a:pt x="0" y="0"/>
-                </a:moveTo>
-                <a:lnTo>
-                  <a:pt x="2935851" y="0"/>
-                </a:lnTo>
-                <a:cubicBezTo>
-                  <a:pt x="3035710" y="10660"/>
-                  <a:pt x="3138421" y="17767"/>
-                  <a:pt x="3238280" y="31980"/>
-                </a:cubicBezTo>
-                <a:cubicBezTo>
-                  <a:pt x="3817462" y="106602"/>
-                  <a:pt x="3127009" y="277163"/>
-                  <a:pt x="3660541" y="550772"/>
-                </a:cubicBezTo>
-                <a:cubicBezTo>
-                  <a:pt x="3706191" y="575645"/>
-                  <a:pt x="3757546" y="579199"/>
-                  <a:pt x="3808902" y="589860"/>
-                </a:cubicBezTo>
-                <a:cubicBezTo>
-                  <a:pt x="4008620" y="625393"/>
-                  <a:pt x="4211192" y="618286"/>
-                  <a:pt x="4413762" y="625393"/>
-                </a:cubicBezTo>
-                <a:cubicBezTo>
-                  <a:pt x="4465118" y="628946"/>
-                  <a:pt x="4525033" y="625393"/>
-                  <a:pt x="4567830" y="721333"/>
-                </a:cubicBezTo>
-                <a:cubicBezTo>
-                  <a:pt x="4425175" y="724888"/>
-                  <a:pt x="4305344" y="731994"/>
-                  <a:pt x="4171247" y="792401"/>
-                </a:cubicBezTo>
-                <a:cubicBezTo>
-                  <a:pt x="4239722" y="859916"/>
-                  <a:pt x="4322462" y="795955"/>
-                  <a:pt x="4376671" y="842148"/>
-                </a:cubicBezTo>
-                <a:cubicBezTo>
-                  <a:pt x="4428027" y="888342"/>
-                  <a:pt x="4470824" y="891896"/>
-                  <a:pt x="4527887" y="813722"/>
-                </a:cubicBezTo>
-                <a:cubicBezTo>
-                  <a:pt x="4556417" y="774634"/>
-                  <a:pt x="4604920" y="778187"/>
-                  <a:pt x="4633452" y="799508"/>
-                </a:cubicBezTo>
-                <a:cubicBezTo>
-                  <a:pt x="4781813" y="913216"/>
-                  <a:pt x="4778960" y="909662"/>
-                  <a:pt x="4947293" y="870576"/>
-                </a:cubicBezTo>
-                <a:cubicBezTo>
-                  <a:pt x="5055712" y="845701"/>
-                  <a:pt x="5166983" y="806615"/>
-                  <a:pt x="5263988" y="820828"/>
-                </a:cubicBezTo>
-                <a:cubicBezTo>
-                  <a:pt x="5275401" y="867022"/>
-                  <a:pt x="5263988" y="888342"/>
-                  <a:pt x="5249723" y="895449"/>
-                </a:cubicBezTo>
-                <a:cubicBezTo>
-                  <a:pt x="5021475" y="1005604"/>
-                  <a:pt x="4975825" y="1122864"/>
-                  <a:pt x="4744723" y="1197485"/>
-                </a:cubicBezTo>
-                <a:cubicBezTo>
-                  <a:pt x="4724751" y="1268552"/>
-                  <a:pt x="4807491" y="1275660"/>
-                  <a:pt x="4767548" y="1346727"/>
-                </a:cubicBezTo>
-                <a:cubicBezTo>
-                  <a:pt x="4693367" y="1407134"/>
-                  <a:pt x="4610627" y="1346727"/>
-                  <a:pt x="4539299" y="1421348"/>
-                </a:cubicBezTo>
-                <a:cubicBezTo>
-                  <a:pt x="4550712" y="1471094"/>
-                  <a:pt x="4610627" y="1432008"/>
-                  <a:pt x="4607773" y="1485309"/>
-                </a:cubicBezTo>
-                <a:cubicBezTo>
-                  <a:pt x="4604920" y="1517288"/>
-                  <a:pt x="4593508" y="1527948"/>
-                  <a:pt x="4579242" y="1535055"/>
-                </a:cubicBezTo>
-                <a:cubicBezTo>
-                  <a:pt x="4776107" y="1538608"/>
-                  <a:pt x="5383820" y="1574142"/>
-                  <a:pt x="5278255" y="1609676"/>
-                </a:cubicBezTo>
-                <a:cubicBezTo>
-                  <a:pt x="5418057" y="1698511"/>
-                  <a:pt x="5623481" y="1609676"/>
-                  <a:pt x="5771843" y="1630997"/>
-                </a:cubicBezTo>
-                <a:cubicBezTo>
-                  <a:pt x="5925911" y="1652316"/>
-                  <a:pt x="6171278" y="1719830"/>
-                  <a:pt x="6105656" y="1748257"/>
-                </a:cubicBezTo>
-                <a:cubicBezTo>
-                  <a:pt x="6031475" y="1780238"/>
-                  <a:pt x="5766136" y="2146235"/>
-                  <a:pt x="5691955" y="2167555"/>
-                </a:cubicBezTo>
-                <a:cubicBezTo>
-                  <a:pt x="5606362" y="2188875"/>
-                  <a:pt x="5589243" y="2217302"/>
-                  <a:pt x="5475118" y="2348776"/>
-                </a:cubicBezTo>
-                <a:cubicBezTo>
-                  <a:pt x="5398085" y="2437610"/>
-                  <a:pt x="5709074" y="2238623"/>
-                  <a:pt x="5826051" y="2291922"/>
-                </a:cubicBezTo>
-                <a:cubicBezTo>
-                  <a:pt x="5868848" y="2309690"/>
-                  <a:pt x="5552153" y="2554872"/>
-                  <a:pt x="5552153" y="2597513"/>
-                </a:cubicBezTo>
-                <a:cubicBezTo>
-                  <a:pt x="5549300" y="2640153"/>
-                  <a:pt x="5577831" y="2647260"/>
-                  <a:pt x="5603508" y="2647260"/>
-                </a:cubicBezTo>
-                <a:cubicBezTo>
-                  <a:pt x="5660571" y="2647260"/>
-                  <a:pt x="5640599" y="2686346"/>
-                  <a:pt x="5700515" y="2679240"/>
-                </a:cubicBezTo>
-                <a:cubicBezTo>
-                  <a:pt x="5523622" y="2800055"/>
-                  <a:pt x="5418057" y="2778734"/>
-                  <a:pt x="5246870" y="2888889"/>
-                </a:cubicBezTo>
-                <a:cubicBezTo>
-                  <a:pt x="5164130" y="2942189"/>
-                  <a:pt x="4921615" y="3119857"/>
-                  <a:pt x="4836022" y="3169605"/>
-                </a:cubicBezTo>
-                <a:cubicBezTo>
-                  <a:pt x="4801785" y="3187371"/>
-                  <a:pt x="4758988" y="3173158"/>
-                  <a:pt x="4736163" y="3233565"/>
-                </a:cubicBezTo>
-                <a:cubicBezTo>
-                  <a:pt x="4770400" y="3279759"/>
-                  <a:pt x="4816050" y="3254885"/>
-                  <a:pt x="4853141" y="3233565"/>
-                </a:cubicBezTo>
-                <a:cubicBezTo>
-                  <a:pt x="4944440" y="3176711"/>
-                  <a:pt x="4935881" y="3190925"/>
-                  <a:pt x="4944440" y="3226459"/>
-                </a:cubicBezTo>
-                <a:cubicBezTo>
-                  <a:pt x="4972972" y="3350827"/>
-                  <a:pt x="5044300" y="3308186"/>
-                  <a:pt x="5109921" y="3283313"/>
-                </a:cubicBezTo>
-                <a:cubicBezTo>
-                  <a:pt x="5303932" y="3208692"/>
-                  <a:pt x="5500797" y="3215799"/>
-                  <a:pt x="5694809" y="3141178"/>
-                </a:cubicBezTo>
-                <a:cubicBezTo>
-                  <a:pt x="5714781" y="3134070"/>
-                  <a:pt x="5612068" y="3283313"/>
-                  <a:pt x="5566419" y="3301079"/>
-                </a:cubicBezTo>
-                <a:cubicBezTo>
-                  <a:pt x="5515063" y="3322399"/>
-                  <a:pt x="5452294" y="3311739"/>
-                  <a:pt x="5415203" y="3397020"/>
-                </a:cubicBezTo>
-                <a:cubicBezTo>
-                  <a:pt x="5477972" y="3414787"/>
-                  <a:pt x="5552153" y="3372147"/>
-                  <a:pt x="5612068" y="3432554"/>
-                </a:cubicBezTo>
-                <a:cubicBezTo>
-                  <a:pt x="5469413" y="3528494"/>
-                  <a:pt x="5329610" y="3535601"/>
-                  <a:pt x="5206927" y="3599562"/>
-                </a:cubicBezTo>
-                <a:cubicBezTo>
-                  <a:pt x="5192661" y="3706163"/>
-                  <a:pt x="5272548" y="3663523"/>
-                  <a:pt x="5301079" y="3723930"/>
-                </a:cubicBezTo>
-                <a:cubicBezTo>
-                  <a:pt x="5072830" y="3844745"/>
-                  <a:pt x="4564977" y="4232062"/>
-                  <a:pt x="4507915" y="4306683"/>
-                </a:cubicBezTo>
-                <a:cubicBezTo>
-                  <a:pt x="4390937" y="4463031"/>
-                  <a:pt x="3900202" y="4562525"/>
-                  <a:pt x="3982942" y="4587399"/>
-                </a:cubicBezTo>
-                <a:cubicBezTo>
-                  <a:pt x="4051417" y="4608719"/>
-                  <a:pt x="4119891" y="4587399"/>
-                  <a:pt x="4185513" y="4541205"/>
-                </a:cubicBezTo>
-                <a:cubicBezTo>
-                  <a:pt x="4291078" y="4466584"/>
-                  <a:pt x="5010062" y="4523438"/>
-                  <a:pt x="5212633" y="4455924"/>
-                </a:cubicBezTo>
-                <a:cubicBezTo>
-                  <a:pt x="5241164" y="4445264"/>
-                  <a:pt x="5283960" y="4409730"/>
-                  <a:pt x="5312492" y="4473691"/>
-                </a:cubicBezTo>
-                <a:cubicBezTo>
-                  <a:pt x="5098508" y="4704659"/>
-                  <a:pt x="4833169" y="4654913"/>
-                  <a:pt x="4596361" y="4818368"/>
-                </a:cubicBezTo>
-                <a:cubicBezTo>
-                  <a:pt x="4684807" y="4917861"/>
-                  <a:pt x="4776107" y="4907202"/>
-                  <a:pt x="4873113" y="4885882"/>
-                </a:cubicBezTo>
-                <a:cubicBezTo>
-                  <a:pt x="4895938" y="4878775"/>
-                  <a:pt x="4930175" y="4871668"/>
-                  <a:pt x="4935881" y="4914309"/>
-                </a:cubicBezTo>
-                <a:cubicBezTo>
-                  <a:pt x="4941587" y="4967609"/>
-                  <a:pt x="4898790" y="4978270"/>
-                  <a:pt x="4873113" y="5003143"/>
-                </a:cubicBezTo>
-                <a:cubicBezTo>
-                  <a:pt x="4833169" y="5038676"/>
-                  <a:pt x="4773254" y="4999590"/>
-                  <a:pt x="4721898" y="5095530"/>
-                </a:cubicBezTo>
-                <a:cubicBezTo>
-                  <a:pt x="4873113" y="5067104"/>
-                  <a:pt x="4998650" y="5020910"/>
-                  <a:pt x="5132745" y="4949842"/>
-                </a:cubicBezTo>
-                <a:cubicBezTo>
-                  <a:pt x="5121333" y="5006696"/>
-                  <a:pt x="5081390" y="5035123"/>
-                  <a:pt x="5101362" y="5081317"/>
-                </a:cubicBezTo>
-                <a:cubicBezTo>
-                  <a:pt x="5118480" y="5116850"/>
-                  <a:pt x="5164130" y="5131063"/>
-                  <a:pt x="5138452" y="5198578"/>
-                </a:cubicBezTo>
-                <a:cubicBezTo>
-                  <a:pt x="5067125" y="5273199"/>
-                  <a:pt x="4967265" y="5258986"/>
-                  <a:pt x="4904497" y="5362033"/>
-                </a:cubicBezTo>
-                <a:cubicBezTo>
-                  <a:pt x="4818903" y="5507721"/>
-                  <a:pt x="4684807" y="5564575"/>
-                  <a:pt x="4579242" y="5674729"/>
-                </a:cubicBezTo>
-                <a:cubicBezTo>
-                  <a:pt x="4545005" y="5713816"/>
-                  <a:pt x="4313903" y="5841738"/>
-                  <a:pt x="4253988" y="5884379"/>
-                </a:cubicBezTo>
-                <a:cubicBezTo>
-                  <a:pt x="4168395" y="5944786"/>
-                  <a:pt x="4071389" y="5966106"/>
-                  <a:pt x="3985795" y="6069153"/>
-                </a:cubicBezTo>
-                <a:cubicBezTo>
-                  <a:pt x="4065682" y="6086921"/>
-                  <a:pt x="4134157" y="5990979"/>
-                  <a:pt x="4231163" y="6030066"/>
-                </a:cubicBezTo>
-                <a:cubicBezTo>
-                  <a:pt x="4074242" y="6133114"/>
-                  <a:pt x="3931586" y="6182861"/>
-                  <a:pt x="3814609" y="6317889"/>
-                </a:cubicBezTo>
-                <a:cubicBezTo>
-                  <a:pt x="3800343" y="6335656"/>
-                  <a:pt x="3771812" y="6332102"/>
-                  <a:pt x="3751840" y="6339209"/>
-                </a:cubicBezTo>
-                <a:cubicBezTo>
-                  <a:pt x="3529298" y="6406723"/>
-                  <a:pt x="3309608" y="6467130"/>
-                  <a:pt x="3089919" y="6563071"/>
-                </a:cubicBezTo>
-                <a:cubicBezTo>
-                  <a:pt x="3041416" y="6584392"/>
-                  <a:pt x="2955823" y="6595052"/>
-                  <a:pt x="2961529" y="6662566"/>
-                </a:cubicBezTo>
-                <a:cubicBezTo>
-                  <a:pt x="2972941" y="6765613"/>
-                  <a:pt x="3055681" y="6687439"/>
-                  <a:pt x="3107038" y="6673226"/>
-                </a:cubicBezTo>
-                <a:cubicBezTo>
-                  <a:pt x="3269664" y="6634138"/>
-                  <a:pt x="3432292" y="6570178"/>
-                  <a:pt x="3594919" y="6591499"/>
-                </a:cubicBezTo>
-                <a:cubicBezTo>
-                  <a:pt x="3483648" y="6637693"/>
-                  <a:pt x="3372376" y="6680332"/>
-                  <a:pt x="3261106" y="6726527"/>
-                </a:cubicBezTo>
-                <a:cubicBezTo>
-                  <a:pt x="3386642" y="6705206"/>
-                  <a:pt x="3495061" y="6786934"/>
-                  <a:pt x="3620597" y="6740740"/>
-                </a:cubicBezTo>
-                <a:cubicBezTo>
-                  <a:pt x="3660541" y="6726527"/>
-                  <a:pt x="3700484" y="6765613"/>
-                  <a:pt x="3703337" y="6826020"/>
-                </a:cubicBezTo>
-                <a:cubicBezTo>
-                  <a:pt x="3706191" y="6847340"/>
-                  <a:pt x="3700484" y="6865108"/>
-                  <a:pt x="3689072" y="6879321"/>
-                </a:cubicBezTo>
-                <a:lnTo>
-                  <a:pt x="0" y="6879321"/>
-                </a:lnTo>
-                <a:close/>
-              </a:path>
-            </a:pathLst>
-          </a:custGeom>
-        </p:spPr>
-      </p:pic>
-      <p:sp>
-        <p:nvSpPr>
-          <p:cNvPr id="3" name="Inhaltsplatzhalter 2">
-            <a:extLst>
-              <a:ext uri="{FF2B5EF4-FFF2-40B4-BE49-F238E27FC236}">
-                <a16:creationId xmlns:a16="http://schemas.microsoft.com/office/drawing/2014/main" id="{249C93D2-BEFA-FD1C-7008-F59A8696316E}"/>
-              </a:ext>
-            </a:extLst>
-          </p:cNvPr>
-          <p:cNvSpPr>
-            <a:spLocks noGrp="1"/>
-          </p:cNvSpPr>
-          <p:nvPr>
-            <p:ph idx="1"/>
-          </p:nvPr>
-        </p:nvSpPr>
-        <p:spPr>
-          <a:xfrm>
-            <a:off x="6513788" y="2333297"/>
-            <a:ext cx="4840010" cy="3843666"/>
-          </a:xfrm>
-        </p:spPr>
-        <p:txBody>
-          <a:bodyPr>
-            <a:normAutofit/>
-          </a:bodyPr>
-          <a:lstStyle/>
-          <a:p>
-            <a:r>
-              <a:rPr lang="de-DE" sz="2000"/>
-              <a:t>Liste von allen Kategorien anzeigen</a:t>
-            </a:r>
-          </a:p>
-          <a:p>
-            <a:r>
-              <a:rPr lang="de-DE" sz="2000"/>
-              <a:t>Erstellen von Kategorien</a:t>
-            </a:r>
-          </a:p>
-          <a:p>
-            <a:r>
-              <a:rPr lang="de-DE" sz="2000"/>
-              <a:t>Fragen zu Kategorien hinzufügen</a:t>
-            </a:r>
-          </a:p>
-          <a:p>
-            <a:r>
-              <a:rPr lang="de-DE" sz="2000"/>
-              <a:t>Übersicht von Kategorie mit Fragen in dieser Kategorie</a:t>
-            </a:r>
-          </a:p>
-          <a:p>
-            <a:r>
-              <a:rPr lang="de-DE" sz="2000"/>
-              <a:t>Achievements</a:t>
-            </a:r>
-          </a:p>
-          <a:p>
-            <a:r>
-              <a:rPr lang="de-DE" sz="2000"/>
-              <a:t>Endscreen mit Punkteanzahl</a:t>
-            </a:r>
-          </a:p>
-          <a:p>
-            <a:endParaRPr lang="de-AT" sz="2000"/>
-          </a:p>
-        </p:txBody>
-      </p:sp>
-    </p:spTree>
-    <p:extLst>
-      <p:ext uri="{BB962C8B-B14F-4D97-AF65-F5344CB8AC3E}">
-        <p14:creationId xmlns:p14="http://schemas.microsoft.com/office/powerpoint/2010/main" val="533401598"/>
-      </p:ext>
-    </p:extLst>
-  </p:cSld>
-  <p:clrMapOvr>
-    <a:masterClrMapping/>
-  </p:clrMapOvr>
-</p:sld>
-</file>
-
-<file path=ppt/slides/slide3.xml><?xml version="1.0" encoding="utf-8"?>
-<p:sld xmlns:a="http://schemas.openxmlformats.org/drawingml/2006/main" xmlns:r="http://schemas.openxmlformats.org/officeDocument/2006/relationships" xmlns:p="http://schemas.openxmlformats.org/presentationml/2006/main">
-  <p:cSld>
-    <p:bg>
-      <p:bgPr>
-        <a:solidFill>
-          <a:schemeClr val="bg1"/>
-        </a:solidFill>
-        <a:effectLst/>
-      </p:bgPr>
-    </p:bg>
-    <p:spTree>
-      <p:nvGrpSpPr>
-        <p:cNvPr id="1" name=""/>
-        <p:cNvGrpSpPr/>
-        <p:nvPr/>
-      </p:nvGrpSpPr>
-      <p:grpSpPr>
-        <a:xfrm>
-          <a:off x="0" y="0"/>
-          <a:ext cx="0" cy="0"/>
-          <a:chOff x="0" y="0"/>
-          <a:chExt cx="0" cy="0"/>
-        </a:xfrm>
-      </p:grpSpPr>
-      <p:sp useBgFill="1">
-        <p:nvSpPr>
           <p:cNvPr id="9" name="Rectangle 8">
             <a:extLst>
               <a:ext uri="{FF2B5EF4-FFF2-40B4-BE49-F238E27FC236}">
@@ -4705,6 +4131,576 @@
     <p:extLst>
       <p:ext uri="{BB962C8B-B14F-4D97-AF65-F5344CB8AC3E}">
         <p14:creationId xmlns:p14="http://schemas.microsoft.com/office/powerpoint/2010/main" val="2549342004"/>
+      </p:ext>
+    </p:extLst>
+  </p:cSld>
+  <p:clrMapOvr>
+    <a:masterClrMapping/>
+  </p:clrMapOvr>
+</p:sld>
+</file>
+
+<file path=ppt/slides/slide3.xml><?xml version="1.0" encoding="utf-8"?>
+<p:sld xmlns:a="http://schemas.openxmlformats.org/drawingml/2006/main" xmlns:r="http://schemas.openxmlformats.org/officeDocument/2006/relationships" xmlns:p="http://schemas.openxmlformats.org/presentationml/2006/main">
+  <p:cSld>
+    <p:bg>
+      <p:bgPr>
+        <a:solidFill>
+          <a:schemeClr val="bg1"/>
+        </a:solidFill>
+        <a:effectLst/>
+      </p:bgPr>
+    </p:bg>
+    <p:spTree>
+      <p:nvGrpSpPr>
+        <p:cNvPr id="1" name=""/>
+        <p:cNvGrpSpPr/>
+        <p:nvPr/>
+      </p:nvGrpSpPr>
+      <p:grpSpPr>
+        <a:xfrm>
+          <a:off x="0" y="0"/>
+          <a:ext cx="0" cy="0"/>
+          <a:chOff x="0" y="0"/>
+          <a:chExt cx="0" cy="0"/>
+        </a:xfrm>
+      </p:grpSpPr>
+      <p:sp useBgFill="1">
+        <p:nvSpPr>
+          <p:cNvPr id="13" name="Rectangle 8">
+            <a:extLst>
+              <a:ext uri="{FF2B5EF4-FFF2-40B4-BE49-F238E27FC236}">
+                <a16:creationId xmlns:a16="http://schemas.microsoft.com/office/drawing/2014/main" id="{79BB35BC-D5C2-4C8B-A22A-A71E6191913B}"/>
+              </a:ext>
+              <a:ext uri="{C183D7F6-B498-43B3-948B-1728B52AA6E4}">
+                <adec:decorative xmlns:adec="http://schemas.microsoft.com/office/drawing/2017/decorative" val="1"/>
+              </a:ext>
+            </a:extLst>
+          </p:cNvPr>
+          <p:cNvSpPr>
+            <a:spLocks noGrp="1" noRot="1" noChangeAspect="1" noMove="1" noResize="1" noEditPoints="1" noAdjustHandles="1" noChangeArrowheads="1" noChangeShapeType="1" noTextEdit="1"/>
+          </p:cNvSpPr>
+          <p:nvPr>
+            <p:extLst>
+              <p:ext uri="{386F3935-93C4-4BCD-93E2-E3B085C9AB24}">
+                <p16:designElem xmlns:p16="http://schemas.microsoft.com/office/powerpoint/2015/main" val="1"/>
+              </p:ext>
+            </p:extLst>
+          </p:nvPr>
+        </p:nvSpPr>
+        <p:spPr>
+          <a:xfrm>
+            <a:off x="0" y="0"/>
+            <a:ext cx="12188952" cy="6858000"/>
+          </a:xfrm>
+          <a:prstGeom prst="rect">
+            <a:avLst/>
+          </a:prstGeom>
+          <a:ln>
+            <a:noFill/>
+          </a:ln>
+        </p:spPr>
+        <p:style>
+          <a:lnRef idx="2">
+            <a:schemeClr val="accent1">
+              <a:shade val="50000"/>
+            </a:schemeClr>
+          </a:lnRef>
+          <a:fillRef idx="1">
+            <a:schemeClr val="accent1"/>
+          </a:fillRef>
+          <a:effectRef idx="0">
+            <a:schemeClr val="accent1"/>
+          </a:effectRef>
+          <a:fontRef idx="minor">
+            <a:schemeClr val="lt1"/>
+          </a:fontRef>
+        </p:style>
+        <p:txBody>
+          <a:bodyPr rtlCol="0" anchor="ctr"/>
+          <a:lstStyle/>
+          <a:p>
+            <a:pPr algn="ctr"/>
+            <a:endParaRPr lang="en-US"/>
+          </a:p>
+        </p:txBody>
+      </p:sp>
+      <p:sp>
+        <p:nvSpPr>
+          <p:cNvPr id="2" name="Titel 1">
+            <a:extLst>
+              <a:ext uri="{FF2B5EF4-FFF2-40B4-BE49-F238E27FC236}">
+                <a16:creationId xmlns:a16="http://schemas.microsoft.com/office/drawing/2014/main" id="{24AE80A9-E393-736B-06DA-98C5A83984DD}"/>
+              </a:ext>
+            </a:extLst>
+          </p:cNvPr>
+          <p:cNvSpPr>
+            <a:spLocks noGrp="1"/>
+          </p:cNvSpPr>
+          <p:nvPr>
+            <p:ph type="title"/>
+          </p:nvPr>
+        </p:nvSpPr>
+        <p:spPr>
+          <a:xfrm>
+            <a:off x="6513788" y="365125"/>
+            <a:ext cx="4840010" cy="1807305"/>
+          </a:xfrm>
+        </p:spPr>
+        <p:txBody>
+          <a:bodyPr>
+            <a:normAutofit/>
+          </a:bodyPr>
+          <a:lstStyle/>
+          <a:p>
+            <a:r>
+              <a:rPr lang="de-DE"/>
+              <a:t>Geplante Features</a:t>
+            </a:r>
+            <a:endParaRPr lang="de-AT" dirty="0"/>
+          </a:p>
+        </p:txBody>
+      </p:sp>
+      <p:pic>
+        <p:nvPicPr>
+          <p:cNvPr id="14" name="Picture 4" descr="Mehrfarbige Papierkunst">
+            <a:extLst>
+              <a:ext uri="{FF2B5EF4-FFF2-40B4-BE49-F238E27FC236}">
+                <a16:creationId xmlns:a16="http://schemas.microsoft.com/office/drawing/2014/main" id="{ABB18B3C-8592-5061-BD71-3EDF3490F7C4}"/>
+              </a:ext>
+            </a:extLst>
+          </p:cNvPr>
+          <p:cNvPicPr>
+            <a:picLocks noChangeAspect="1"/>
+          </p:cNvPicPr>
+          <p:nvPr/>
+        </p:nvPicPr>
+        <p:blipFill rotWithShape="1">
+          <a:blip r:embed="rId2"/>
+          <a:srcRect l="21352" r="19114" b="-1"/>
+          <a:stretch/>
+        </p:blipFill>
+        <p:spPr>
+          <a:xfrm>
+            <a:off x="20" y="10"/>
+            <a:ext cx="6116549" cy="6857990"/>
+          </a:xfrm>
+          <a:custGeom>
+            <a:avLst/>
+            <a:gdLst/>
+            <a:ahLst/>
+            <a:cxnLst/>
+            <a:rect l="l" t="t" r="r" b="b"/>
+            <a:pathLst>
+              <a:path w="6116569" h="6879321">
+                <a:moveTo>
+                  <a:pt x="0" y="0"/>
+                </a:moveTo>
+                <a:lnTo>
+                  <a:pt x="2935851" y="0"/>
+                </a:lnTo>
+                <a:cubicBezTo>
+                  <a:pt x="3035710" y="10660"/>
+                  <a:pt x="3138421" y="17767"/>
+                  <a:pt x="3238280" y="31980"/>
+                </a:cubicBezTo>
+                <a:cubicBezTo>
+                  <a:pt x="3817462" y="106602"/>
+                  <a:pt x="3127009" y="277163"/>
+                  <a:pt x="3660541" y="550772"/>
+                </a:cubicBezTo>
+                <a:cubicBezTo>
+                  <a:pt x="3706191" y="575645"/>
+                  <a:pt x="3757546" y="579199"/>
+                  <a:pt x="3808902" y="589860"/>
+                </a:cubicBezTo>
+                <a:cubicBezTo>
+                  <a:pt x="4008620" y="625393"/>
+                  <a:pt x="4211192" y="618286"/>
+                  <a:pt x="4413762" y="625393"/>
+                </a:cubicBezTo>
+                <a:cubicBezTo>
+                  <a:pt x="4465118" y="628946"/>
+                  <a:pt x="4525033" y="625393"/>
+                  <a:pt x="4567830" y="721333"/>
+                </a:cubicBezTo>
+                <a:cubicBezTo>
+                  <a:pt x="4425175" y="724888"/>
+                  <a:pt x="4305344" y="731994"/>
+                  <a:pt x="4171247" y="792401"/>
+                </a:cubicBezTo>
+                <a:cubicBezTo>
+                  <a:pt x="4239722" y="859916"/>
+                  <a:pt x="4322462" y="795955"/>
+                  <a:pt x="4376671" y="842148"/>
+                </a:cubicBezTo>
+                <a:cubicBezTo>
+                  <a:pt x="4428027" y="888342"/>
+                  <a:pt x="4470824" y="891896"/>
+                  <a:pt x="4527887" y="813722"/>
+                </a:cubicBezTo>
+                <a:cubicBezTo>
+                  <a:pt x="4556417" y="774634"/>
+                  <a:pt x="4604920" y="778187"/>
+                  <a:pt x="4633452" y="799508"/>
+                </a:cubicBezTo>
+                <a:cubicBezTo>
+                  <a:pt x="4781813" y="913216"/>
+                  <a:pt x="4778960" y="909662"/>
+                  <a:pt x="4947293" y="870576"/>
+                </a:cubicBezTo>
+                <a:cubicBezTo>
+                  <a:pt x="5055712" y="845701"/>
+                  <a:pt x="5166983" y="806615"/>
+                  <a:pt x="5263988" y="820828"/>
+                </a:cubicBezTo>
+                <a:cubicBezTo>
+                  <a:pt x="5275401" y="867022"/>
+                  <a:pt x="5263988" y="888342"/>
+                  <a:pt x="5249723" y="895449"/>
+                </a:cubicBezTo>
+                <a:cubicBezTo>
+                  <a:pt x="5021475" y="1005604"/>
+                  <a:pt x="4975825" y="1122864"/>
+                  <a:pt x="4744723" y="1197485"/>
+                </a:cubicBezTo>
+                <a:cubicBezTo>
+                  <a:pt x="4724751" y="1268552"/>
+                  <a:pt x="4807491" y="1275660"/>
+                  <a:pt x="4767548" y="1346727"/>
+                </a:cubicBezTo>
+                <a:cubicBezTo>
+                  <a:pt x="4693367" y="1407134"/>
+                  <a:pt x="4610627" y="1346727"/>
+                  <a:pt x="4539299" y="1421348"/>
+                </a:cubicBezTo>
+                <a:cubicBezTo>
+                  <a:pt x="4550712" y="1471094"/>
+                  <a:pt x="4610627" y="1432008"/>
+                  <a:pt x="4607773" y="1485309"/>
+                </a:cubicBezTo>
+                <a:cubicBezTo>
+                  <a:pt x="4604920" y="1517288"/>
+                  <a:pt x="4593508" y="1527948"/>
+                  <a:pt x="4579242" y="1535055"/>
+                </a:cubicBezTo>
+                <a:cubicBezTo>
+                  <a:pt x="4776107" y="1538608"/>
+                  <a:pt x="5383820" y="1574142"/>
+                  <a:pt x="5278255" y="1609676"/>
+                </a:cubicBezTo>
+                <a:cubicBezTo>
+                  <a:pt x="5418057" y="1698511"/>
+                  <a:pt x="5623481" y="1609676"/>
+                  <a:pt x="5771843" y="1630997"/>
+                </a:cubicBezTo>
+                <a:cubicBezTo>
+                  <a:pt x="5925911" y="1652316"/>
+                  <a:pt x="6171278" y="1719830"/>
+                  <a:pt x="6105656" y="1748257"/>
+                </a:cubicBezTo>
+                <a:cubicBezTo>
+                  <a:pt x="6031475" y="1780238"/>
+                  <a:pt x="5766136" y="2146235"/>
+                  <a:pt x="5691955" y="2167555"/>
+                </a:cubicBezTo>
+                <a:cubicBezTo>
+                  <a:pt x="5606362" y="2188875"/>
+                  <a:pt x="5589243" y="2217302"/>
+                  <a:pt x="5475118" y="2348776"/>
+                </a:cubicBezTo>
+                <a:cubicBezTo>
+                  <a:pt x="5398085" y="2437610"/>
+                  <a:pt x="5709074" y="2238623"/>
+                  <a:pt x="5826051" y="2291922"/>
+                </a:cubicBezTo>
+                <a:cubicBezTo>
+                  <a:pt x="5868848" y="2309690"/>
+                  <a:pt x="5552153" y="2554872"/>
+                  <a:pt x="5552153" y="2597513"/>
+                </a:cubicBezTo>
+                <a:cubicBezTo>
+                  <a:pt x="5549300" y="2640153"/>
+                  <a:pt x="5577831" y="2647260"/>
+                  <a:pt x="5603508" y="2647260"/>
+                </a:cubicBezTo>
+                <a:cubicBezTo>
+                  <a:pt x="5660571" y="2647260"/>
+                  <a:pt x="5640599" y="2686346"/>
+                  <a:pt x="5700515" y="2679240"/>
+                </a:cubicBezTo>
+                <a:cubicBezTo>
+                  <a:pt x="5523622" y="2800055"/>
+                  <a:pt x="5418057" y="2778734"/>
+                  <a:pt x="5246870" y="2888889"/>
+                </a:cubicBezTo>
+                <a:cubicBezTo>
+                  <a:pt x="5164130" y="2942189"/>
+                  <a:pt x="4921615" y="3119857"/>
+                  <a:pt x="4836022" y="3169605"/>
+                </a:cubicBezTo>
+                <a:cubicBezTo>
+                  <a:pt x="4801785" y="3187371"/>
+                  <a:pt x="4758988" y="3173158"/>
+                  <a:pt x="4736163" y="3233565"/>
+                </a:cubicBezTo>
+                <a:cubicBezTo>
+                  <a:pt x="4770400" y="3279759"/>
+                  <a:pt x="4816050" y="3254885"/>
+                  <a:pt x="4853141" y="3233565"/>
+                </a:cubicBezTo>
+                <a:cubicBezTo>
+                  <a:pt x="4944440" y="3176711"/>
+                  <a:pt x="4935881" y="3190925"/>
+                  <a:pt x="4944440" y="3226459"/>
+                </a:cubicBezTo>
+                <a:cubicBezTo>
+                  <a:pt x="4972972" y="3350827"/>
+                  <a:pt x="5044300" y="3308186"/>
+                  <a:pt x="5109921" y="3283313"/>
+                </a:cubicBezTo>
+                <a:cubicBezTo>
+                  <a:pt x="5303932" y="3208692"/>
+                  <a:pt x="5500797" y="3215799"/>
+                  <a:pt x="5694809" y="3141178"/>
+                </a:cubicBezTo>
+                <a:cubicBezTo>
+                  <a:pt x="5714781" y="3134070"/>
+                  <a:pt x="5612068" y="3283313"/>
+                  <a:pt x="5566419" y="3301079"/>
+                </a:cubicBezTo>
+                <a:cubicBezTo>
+                  <a:pt x="5515063" y="3322399"/>
+                  <a:pt x="5452294" y="3311739"/>
+                  <a:pt x="5415203" y="3397020"/>
+                </a:cubicBezTo>
+                <a:cubicBezTo>
+                  <a:pt x="5477972" y="3414787"/>
+                  <a:pt x="5552153" y="3372147"/>
+                  <a:pt x="5612068" y="3432554"/>
+                </a:cubicBezTo>
+                <a:cubicBezTo>
+                  <a:pt x="5469413" y="3528494"/>
+                  <a:pt x="5329610" y="3535601"/>
+                  <a:pt x="5206927" y="3599562"/>
+                </a:cubicBezTo>
+                <a:cubicBezTo>
+                  <a:pt x="5192661" y="3706163"/>
+                  <a:pt x="5272548" y="3663523"/>
+                  <a:pt x="5301079" y="3723930"/>
+                </a:cubicBezTo>
+                <a:cubicBezTo>
+                  <a:pt x="5072830" y="3844745"/>
+                  <a:pt x="4564977" y="4232062"/>
+                  <a:pt x="4507915" y="4306683"/>
+                </a:cubicBezTo>
+                <a:cubicBezTo>
+                  <a:pt x="4390937" y="4463031"/>
+                  <a:pt x="3900202" y="4562525"/>
+                  <a:pt x="3982942" y="4587399"/>
+                </a:cubicBezTo>
+                <a:cubicBezTo>
+                  <a:pt x="4051417" y="4608719"/>
+                  <a:pt x="4119891" y="4587399"/>
+                  <a:pt x="4185513" y="4541205"/>
+                </a:cubicBezTo>
+                <a:cubicBezTo>
+                  <a:pt x="4291078" y="4466584"/>
+                  <a:pt x="5010062" y="4523438"/>
+                  <a:pt x="5212633" y="4455924"/>
+                </a:cubicBezTo>
+                <a:cubicBezTo>
+                  <a:pt x="5241164" y="4445264"/>
+                  <a:pt x="5283960" y="4409730"/>
+                  <a:pt x="5312492" y="4473691"/>
+                </a:cubicBezTo>
+                <a:cubicBezTo>
+                  <a:pt x="5098508" y="4704659"/>
+                  <a:pt x="4833169" y="4654913"/>
+                  <a:pt x="4596361" y="4818368"/>
+                </a:cubicBezTo>
+                <a:cubicBezTo>
+                  <a:pt x="4684807" y="4917861"/>
+                  <a:pt x="4776107" y="4907202"/>
+                  <a:pt x="4873113" y="4885882"/>
+                </a:cubicBezTo>
+                <a:cubicBezTo>
+                  <a:pt x="4895938" y="4878775"/>
+                  <a:pt x="4930175" y="4871668"/>
+                  <a:pt x="4935881" y="4914309"/>
+                </a:cubicBezTo>
+                <a:cubicBezTo>
+                  <a:pt x="4941587" y="4967609"/>
+                  <a:pt x="4898790" y="4978270"/>
+                  <a:pt x="4873113" y="5003143"/>
+                </a:cubicBezTo>
+                <a:cubicBezTo>
+                  <a:pt x="4833169" y="5038676"/>
+                  <a:pt x="4773254" y="4999590"/>
+                  <a:pt x="4721898" y="5095530"/>
+                </a:cubicBezTo>
+                <a:cubicBezTo>
+                  <a:pt x="4873113" y="5067104"/>
+                  <a:pt x="4998650" y="5020910"/>
+                  <a:pt x="5132745" y="4949842"/>
+                </a:cubicBezTo>
+                <a:cubicBezTo>
+                  <a:pt x="5121333" y="5006696"/>
+                  <a:pt x="5081390" y="5035123"/>
+                  <a:pt x="5101362" y="5081317"/>
+                </a:cubicBezTo>
+                <a:cubicBezTo>
+                  <a:pt x="5118480" y="5116850"/>
+                  <a:pt x="5164130" y="5131063"/>
+                  <a:pt x="5138452" y="5198578"/>
+                </a:cubicBezTo>
+                <a:cubicBezTo>
+                  <a:pt x="5067125" y="5273199"/>
+                  <a:pt x="4967265" y="5258986"/>
+                  <a:pt x="4904497" y="5362033"/>
+                </a:cubicBezTo>
+                <a:cubicBezTo>
+                  <a:pt x="4818903" y="5507721"/>
+                  <a:pt x="4684807" y="5564575"/>
+                  <a:pt x="4579242" y="5674729"/>
+                </a:cubicBezTo>
+                <a:cubicBezTo>
+                  <a:pt x="4545005" y="5713816"/>
+                  <a:pt x="4313903" y="5841738"/>
+                  <a:pt x="4253988" y="5884379"/>
+                </a:cubicBezTo>
+                <a:cubicBezTo>
+                  <a:pt x="4168395" y="5944786"/>
+                  <a:pt x="4071389" y="5966106"/>
+                  <a:pt x="3985795" y="6069153"/>
+                </a:cubicBezTo>
+                <a:cubicBezTo>
+                  <a:pt x="4065682" y="6086921"/>
+                  <a:pt x="4134157" y="5990979"/>
+                  <a:pt x="4231163" y="6030066"/>
+                </a:cubicBezTo>
+                <a:cubicBezTo>
+                  <a:pt x="4074242" y="6133114"/>
+                  <a:pt x="3931586" y="6182861"/>
+                  <a:pt x="3814609" y="6317889"/>
+                </a:cubicBezTo>
+                <a:cubicBezTo>
+                  <a:pt x="3800343" y="6335656"/>
+                  <a:pt x="3771812" y="6332102"/>
+                  <a:pt x="3751840" y="6339209"/>
+                </a:cubicBezTo>
+                <a:cubicBezTo>
+                  <a:pt x="3529298" y="6406723"/>
+                  <a:pt x="3309608" y="6467130"/>
+                  <a:pt x="3089919" y="6563071"/>
+                </a:cubicBezTo>
+                <a:cubicBezTo>
+                  <a:pt x="3041416" y="6584392"/>
+                  <a:pt x="2955823" y="6595052"/>
+                  <a:pt x="2961529" y="6662566"/>
+                </a:cubicBezTo>
+                <a:cubicBezTo>
+                  <a:pt x="2972941" y="6765613"/>
+                  <a:pt x="3055681" y="6687439"/>
+                  <a:pt x="3107038" y="6673226"/>
+                </a:cubicBezTo>
+                <a:cubicBezTo>
+                  <a:pt x="3269664" y="6634138"/>
+                  <a:pt x="3432292" y="6570178"/>
+                  <a:pt x="3594919" y="6591499"/>
+                </a:cubicBezTo>
+                <a:cubicBezTo>
+                  <a:pt x="3483648" y="6637693"/>
+                  <a:pt x="3372376" y="6680332"/>
+                  <a:pt x="3261106" y="6726527"/>
+                </a:cubicBezTo>
+                <a:cubicBezTo>
+                  <a:pt x="3386642" y="6705206"/>
+                  <a:pt x="3495061" y="6786934"/>
+                  <a:pt x="3620597" y="6740740"/>
+                </a:cubicBezTo>
+                <a:cubicBezTo>
+                  <a:pt x="3660541" y="6726527"/>
+                  <a:pt x="3700484" y="6765613"/>
+                  <a:pt x="3703337" y="6826020"/>
+                </a:cubicBezTo>
+                <a:cubicBezTo>
+                  <a:pt x="3706191" y="6847340"/>
+                  <a:pt x="3700484" y="6865108"/>
+                  <a:pt x="3689072" y="6879321"/>
+                </a:cubicBezTo>
+                <a:lnTo>
+                  <a:pt x="0" y="6879321"/>
+                </a:lnTo>
+                <a:close/>
+              </a:path>
+            </a:pathLst>
+          </a:custGeom>
+        </p:spPr>
+      </p:pic>
+      <p:sp>
+        <p:nvSpPr>
+          <p:cNvPr id="3" name="Inhaltsplatzhalter 2">
+            <a:extLst>
+              <a:ext uri="{FF2B5EF4-FFF2-40B4-BE49-F238E27FC236}">
+                <a16:creationId xmlns:a16="http://schemas.microsoft.com/office/drawing/2014/main" id="{249C93D2-BEFA-FD1C-7008-F59A8696316E}"/>
+              </a:ext>
+            </a:extLst>
+          </p:cNvPr>
+          <p:cNvSpPr>
+            <a:spLocks noGrp="1"/>
+          </p:cNvSpPr>
+          <p:nvPr>
+            <p:ph idx="1"/>
+          </p:nvPr>
+        </p:nvSpPr>
+        <p:spPr>
+          <a:xfrm>
+            <a:off x="6513788" y="2333297"/>
+            <a:ext cx="4840010" cy="3843666"/>
+          </a:xfrm>
+        </p:spPr>
+        <p:txBody>
+          <a:bodyPr>
+            <a:normAutofit/>
+          </a:bodyPr>
+          <a:lstStyle/>
+          <a:p>
+            <a:r>
+              <a:rPr lang="de-DE" sz="2000" dirty="0"/>
+              <a:t>Liste von allen Quiz anzeigen</a:t>
+            </a:r>
+          </a:p>
+          <a:p>
+            <a:r>
+              <a:rPr lang="de-DE" sz="2000" dirty="0"/>
+              <a:t>Erstellen von neuen Quiz</a:t>
+            </a:r>
+          </a:p>
+          <a:p>
+            <a:r>
+              <a:rPr lang="de-DE" sz="2000" dirty="0"/>
+              <a:t>Fragenkatalog von einem Quiz einsehen und Fragen hinzufügen</a:t>
+            </a:r>
+          </a:p>
+          <a:p>
+            <a:r>
+              <a:rPr lang="de-DE" sz="2000" dirty="0"/>
+              <a:t>Achievements</a:t>
+            </a:r>
+          </a:p>
+          <a:p>
+            <a:r>
+              <a:rPr lang="de-DE" sz="2000" dirty="0"/>
+              <a:t>Endscreen mit Punkteanzahl</a:t>
+            </a:r>
+          </a:p>
+        </p:txBody>
+      </p:sp>
+    </p:spTree>
+    <p:extLst>
+      <p:ext uri="{BB962C8B-B14F-4D97-AF65-F5344CB8AC3E}">
+        <p14:creationId xmlns:p14="http://schemas.microsoft.com/office/powerpoint/2010/main" val="533401598"/>
       </p:ext>
     </p:extLst>
   </p:cSld>
